--- a/docs/thesis/fig/fal1.pptx
+++ b/docs/thesis/fig/fal1.pptx
@@ -104,6 +104,11 @@
       </a:defRPr>
     </a:lvl9pPr>
   </p:defaultTextStyle>
+  <p:extLst>
+    <p:ext uri="{EFAFB233-063F-42B5-8137-9DF3F51BA10A}">
+      <p15:sldGuideLst xmlns:p15="http://schemas.microsoft.com/office/powerpoint/2012/main"/>
+    </p:ext>
+  </p:extLst>
 </p:presentation>
 </file>
 
@@ -254,7 +259,7 @@
           <a:p>
             <a:fld id="{C4A30A9E-D1A3-7B49-8CAC-F82BC2689F03}" type="datetimeFigureOut">
               <a:rPr lang="en-US" smtClean="0"/>
-              <a:t>12/30/18</a:t>
+              <a:t>1/20/19</a:t>
             </a:fld>
             <a:endParaRPr lang="en-US"/>
           </a:p>
@@ -452,7 +457,7 @@
           <a:p>
             <a:fld id="{C4A30A9E-D1A3-7B49-8CAC-F82BC2689F03}" type="datetimeFigureOut">
               <a:rPr lang="en-US" smtClean="0"/>
-              <a:t>12/30/18</a:t>
+              <a:t>1/20/19</a:t>
             </a:fld>
             <a:endParaRPr lang="en-US"/>
           </a:p>
@@ -660,7 +665,7 @@
           <a:p>
             <a:fld id="{C4A30A9E-D1A3-7B49-8CAC-F82BC2689F03}" type="datetimeFigureOut">
               <a:rPr lang="en-US" smtClean="0"/>
-              <a:t>12/30/18</a:t>
+              <a:t>1/20/19</a:t>
             </a:fld>
             <a:endParaRPr lang="en-US"/>
           </a:p>
@@ -858,7 +863,7 @@
           <a:p>
             <a:fld id="{C4A30A9E-D1A3-7B49-8CAC-F82BC2689F03}" type="datetimeFigureOut">
               <a:rPr lang="en-US" smtClean="0"/>
-              <a:t>12/30/18</a:t>
+              <a:t>1/20/19</a:t>
             </a:fld>
             <a:endParaRPr lang="en-US"/>
           </a:p>
@@ -1133,7 +1138,7 @@
           <a:p>
             <a:fld id="{C4A30A9E-D1A3-7B49-8CAC-F82BC2689F03}" type="datetimeFigureOut">
               <a:rPr lang="en-US" smtClean="0"/>
-              <a:t>12/30/18</a:t>
+              <a:t>1/20/19</a:t>
             </a:fld>
             <a:endParaRPr lang="en-US"/>
           </a:p>
@@ -1398,7 +1403,7 @@
           <a:p>
             <a:fld id="{C4A30A9E-D1A3-7B49-8CAC-F82BC2689F03}" type="datetimeFigureOut">
               <a:rPr lang="en-US" smtClean="0"/>
-              <a:t>12/30/18</a:t>
+              <a:t>1/20/19</a:t>
             </a:fld>
             <a:endParaRPr lang="en-US"/>
           </a:p>
@@ -1810,7 +1815,7 @@
           <a:p>
             <a:fld id="{C4A30A9E-D1A3-7B49-8CAC-F82BC2689F03}" type="datetimeFigureOut">
               <a:rPr lang="en-US" smtClean="0"/>
-              <a:t>12/30/18</a:t>
+              <a:t>1/20/19</a:t>
             </a:fld>
             <a:endParaRPr lang="en-US"/>
           </a:p>
@@ -1951,7 +1956,7 @@
           <a:p>
             <a:fld id="{C4A30A9E-D1A3-7B49-8CAC-F82BC2689F03}" type="datetimeFigureOut">
               <a:rPr lang="en-US" smtClean="0"/>
-              <a:t>12/30/18</a:t>
+              <a:t>1/20/19</a:t>
             </a:fld>
             <a:endParaRPr lang="en-US"/>
           </a:p>
@@ -2064,7 +2069,7 @@
           <a:p>
             <a:fld id="{C4A30A9E-D1A3-7B49-8CAC-F82BC2689F03}" type="datetimeFigureOut">
               <a:rPr lang="en-US" smtClean="0"/>
-              <a:t>12/30/18</a:t>
+              <a:t>1/20/19</a:t>
             </a:fld>
             <a:endParaRPr lang="en-US"/>
           </a:p>
@@ -2375,7 +2380,7 @@
           <a:p>
             <a:fld id="{C4A30A9E-D1A3-7B49-8CAC-F82BC2689F03}" type="datetimeFigureOut">
               <a:rPr lang="en-US" smtClean="0"/>
-              <a:t>12/30/18</a:t>
+              <a:t>1/20/19</a:t>
             </a:fld>
             <a:endParaRPr lang="en-US"/>
           </a:p>
@@ -2663,7 +2668,7 @@
           <a:p>
             <a:fld id="{C4A30A9E-D1A3-7B49-8CAC-F82BC2689F03}" type="datetimeFigureOut">
               <a:rPr lang="en-US" smtClean="0"/>
-              <a:t>12/30/18</a:t>
+              <a:t>1/20/19</a:t>
             </a:fld>
             <a:endParaRPr lang="en-US"/>
           </a:p>
@@ -2904,7 +2909,7 @@
           <a:p>
             <a:fld id="{C4A30A9E-D1A3-7B49-8CAC-F82BC2689F03}" type="datetimeFigureOut">
               <a:rPr lang="en-US" smtClean="0"/>
-              <a:t>12/30/18</a:t>
+              <a:t>1/20/19</a:t>
             </a:fld>
             <a:endParaRPr lang="en-US"/>
           </a:p>
@@ -3411,10 +3416,10 @@
       </p:pic>
       <p:sp>
         <p:nvSpPr>
-          <p:cNvPr id="30" name="TextBox 29">
-            <a:extLst>
-              <a:ext uri="{FF2B5EF4-FFF2-40B4-BE49-F238E27FC236}">
-                <a16:creationId xmlns:a16="http://schemas.microsoft.com/office/drawing/2014/main" id="{11AD1855-735F-5940-A489-737D5CB1E46D}"/>
+          <p:cNvPr id="31" name="TextBox 30">
+            <a:extLst>
+              <a:ext uri="{FF2B5EF4-FFF2-40B4-BE49-F238E27FC236}">
+                <a16:creationId xmlns:a16="http://schemas.microsoft.com/office/drawing/2014/main" id="{85193B88-968D-7042-9971-48D17A229EBF}"/>
               </a:ext>
             </a:extLst>
           </p:cNvPr>
@@ -3423,8 +3428,8 @@
         </p:nvSpPr>
         <p:spPr>
           <a:xfrm>
-            <a:off x="5115742" y="221526"/>
-            <a:ext cx="3428183" cy="707886"/>
+            <a:off x="3489195" y="4685586"/>
+            <a:ext cx="5238870" cy="1107996"/>
           </a:xfrm>
           <a:prstGeom prst="rect">
             <a:avLst/>
@@ -3438,50 +3443,10 @@
           <a:lstStyle/>
           <a:p>
             <a:r>
-              <a:rPr lang="en-US" sz="4000" dirty="0" err="1"/>
-              <a:t>Acceleromerter</a:t>
-            </a:r>
-            <a:endParaRPr lang="en-US" dirty="0"/>
-          </a:p>
-        </p:txBody>
-      </p:sp>
-      <p:sp>
-        <p:nvSpPr>
-          <p:cNvPr id="31" name="TextBox 30">
-            <a:extLst>
-              <a:ext uri="{FF2B5EF4-FFF2-40B4-BE49-F238E27FC236}">
-                <a16:creationId xmlns:a16="http://schemas.microsoft.com/office/drawing/2014/main" id="{85193B88-968D-7042-9971-48D17A229EBF}"/>
-              </a:ext>
-            </a:extLst>
-          </p:cNvPr>
-          <p:cNvSpPr txBox="1"/>
-          <p:nvPr/>
-        </p:nvSpPr>
-        <p:spPr>
-          <a:xfrm>
-            <a:off x="1653297" y="4860995"/>
-            <a:ext cx="2965620" cy="707886"/>
-          </a:xfrm>
-          <a:prstGeom prst="rect">
-            <a:avLst/>
-          </a:prstGeom>
-          <a:noFill/>
-        </p:spPr>
-        <p:txBody>
-          <a:bodyPr wrap="none" rtlCol="0">
-            <a:spAutoFit/>
-          </a:bodyPr>
-          <a:lstStyle/>
-          <a:p>
-            <a:r>
-              <a:rPr lang="en-US" sz="4000" dirty="0"/>
-              <a:t>Micro </a:t>
-            </a:r>
-            <a:r>
-              <a:rPr lang="en-US" sz="4000" dirty="0" err="1"/>
-              <a:t>SDcard</a:t>
-            </a:r>
-            <a:endParaRPr lang="en-US" dirty="0"/>
+              <a:rPr lang="en-US" sz="6600" dirty="0"/>
+              <a:t>Accelerometer</a:t>
+            </a:r>
+            <a:endParaRPr lang="en-US" sz="3600" dirty="0"/>
           </a:p>
         </p:txBody>
       </p:sp>
@@ -3501,8 +3466,8 @@
         </p:nvCxnSpPr>
         <p:spPr>
           <a:xfrm flipV="1">
-            <a:off x="2868558" y="2940050"/>
-            <a:ext cx="817619" cy="1920946"/>
+            <a:off x="6095998" y="2792494"/>
+            <a:ext cx="0" cy="2073796"/>
           </a:xfrm>
           <a:prstGeom prst="straightConnector1">
             <a:avLst/>
@@ -3529,50 +3494,38 @@
           </a:fontRef>
         </p:style>
       </p:cxnSp>
-      <p:cxnSp>
-        <p:nvCxnSpPr>
-          <p:cNvPr id="35" name="Straight Arrow Connector 34">
-            <a:extLst>
-              <a:ext uri="{FF2B5EF4-FFF2-40B4-BE49-F238E27FC236}">
-                <a16:creationId xmlns:a16="http://schemas.microsoft.com/office/drawing/2014/main" id="{EB07B782-0D4C-C640-99F0-C0A2A0197A84}"/>
-              </a:ext>
-            </a:extLst>
-          </p:cNvPr>
-          <p:cNvCxnSpPr>
-            <a:cxnSpLocks/>
-          </p:cNvCxnSpPr>
+      <p:sp>
+        <p:nvSpPr>
+          <p:cNvPr id="7" name="TextBox 6">
+            <a:extLst>
+              <a:ext uri="{FF2B5EF4-FFF2-40B4-BE49-F238E27FC236}">
+                <a16:creationId xmlns:a16="http://schemas.microsoft.com/office/drawing/2014/main" id="{FE185AF1-10AE-3D46-9CE7-F088A1B691EF}"/>
+              </a:ext>
+            </a:extLst>
+          </p:cNvPr>
+          <p:cNvSpPr txBox="1"/>
           <p:nvPr/>
-        </p:nvCxnSpPr>
+        </p:nvSpPr>
         <p:spPr>
-          <a:xfrm flipH="1">
-            <a:off x="6229351" y="868328"/>
-            <a:ext cx="500062" cy="989047"/>
+          <a:xfrm>
+            <a:off x="9890234" y="6232634"/>
+            <a:ext cx="184731" cy="369332"/>
           </a:xfrm>
-          <a:prstGeom prst="straightConnector1">
+          <a:prstGeom prst="rect">
             <a:avLst/>
           </a:prstGeom>
-          <a:ln w="101600">
-            <a:solidFill>
-              <a:schemeClr val="bg1"/>
-            </a:solidFill>
-            <a:tailEnd type="triangle"/>
-          </a:ln>
+          <a:noFill/>
         </p:spPr>
-        <p:style>
-          <a:lnRef idx="2">
-            <a:schemeClr val="accent2"/>
-          </a:lnRef>
-          <a:fillRef idx="0">
-            <a:schemeClr val="accent2"/>
-          </a:fillRef>
-          <a:effectRef idx="1">
-            <a:schemeClr val="accent2"/>
-          </a:effectRef>
-          <a:fontRef idx="minor">
-            <a:schemeClr val="tx1"/>
-          </a:fontRef>
-        </p:style>
-      </p:cxnSp>
+        <p:txBody>
+          <a:bodyPr wrap="none" rtlCol="0">
+            <a:spAutoFit/>
+          </a:bodyPr>
+          <a:lstStyle/>
+          <a:p>
+            <a:endParaRPr lang="en-US" dirty="0"/>
+          </a:p>
+        </p:txBody>
+      </p:sp>
     </p:spTree>
     <p:extLst>
       <p:ext uri="{BB962C8B-B14F-4D97-AF65-F5344CB8AC3E}">

--- a/docs/thesis/fig/fal1.pptx
+++ b/docs/thesis/fig/fal1.pptx
@@ -259,7 +259,7 @@
           <a:p>
             <a:fld id="{C4A30A9E-D1A3-7B49-8CAC-F82BC2689F03}" type="datetimeFigureOut">
               <a:rPr lang="en-US" smtClean="0"/>
-              <a:t>1/20/19</a:t>
+              <a:t>1/25/19</a:t>
             </a:fld>
             <a:endParaRPr lang="en-US"/>
           </a:p>
@@ -457,7 +457,7 @@
           <a:p>
             <a:fld id="{C4A30A9E-D1A3-7B49-8CAC-F82BC2689F03}" type="datetimeFigureOut">
               <a:rPr lang="en-US" smtClean="0"/>
-              <a:t>1/20/19</a:t>
+              <a:t>1/25/19</a:t>
             </a:fld>
             <a:endParaRPr lang="en-US"/>
           </a:p>
@@ -665,7 +665,7 @@
           <a:p>
             <a:fld id="{C4A30A9E-D1A3-7B49-8CAC-F82BC2689F03}" type="datetimeFigureOut">
               <a:rPr lang="en-US" smtClean="0"/>
-              <a:t>1/20/19</a:t>
+              <a:t>1/25/19</a:t>
             </a:fld>
             <a:endParaRPr lang="en-US"/>
           </a:p>
@@ -863,7 +863,7 @@
           <a:p>
             <a:fld id="{C4A30A9E-D1A3-7B49-8CAC-F82BC2689F03}" type="datetimeFigureOut">
               <a:rPr lang="en-US" smtClean="0"/>
-              <a:t>1/20/19</a:t>
+              <a:t>1/25/19</a:t>
             </a:fld>
             <a:endParaRPr lang="en-US"/>
           </a:p>
@@ -1138,7 +1138,7 @@
           <a:p>
             <a:fld id="{C4A30A9E-D1A3-7B49-8CAC-F82BC2689F03}" type="datetimeFigureOut">
               <a:rPr lang="en-US" smtClean="0"/>
-              <a:t>1/20/19</a:t>
+              <a:t>1/25/19</a:t>
             </a:fld>
             <a:endParaRPr lang="en-US"/>
           </a:p>
@@ -1403,7 +1403,7 @@
           <a:p>
             <a:fld id="{C4A30A9E-D1A3-7B49-8CAC-F82BC2689F03}" type="datetimeFigureOut">
               <a:rPr lang="en-US" smtClean="0"/>
-              <a:t>1/20/19</a:t>
+              <a:t>1/25/19</a:t>
             </a:fld>
             <a:endParaRPr lang="en-US"/>
           </a:p>
@@ -1815,7 +1815,7 @@
           <a:p>
             <a:fld id="{C4A30A9E-D1A3-7B49-8CAC-F82BC2689F03}" type="datetimeFigureOut">
               <a:rPr lang="en-US" smtClean="0"/>
-              <a:t>1/20/19</a:t>
+              <a:t>1/25/19</a:t>
             </a:fld>
             <a:endParaRPr lang="en-US"/>
           </a:p>
@@ -1956,7 +1956,7 @@
           <a:p>
             <a:fld id="{C4A30A9E-D1A3-7B49-8CAC-F82BC2689F03}" type="datetimeFigureOut">
               <a:rPr lang="en-US" smtClean="0"/>
-              <a:t>1/20/19</a:t>
+              <a:t>1/25/19</a:t>
             </a:fld>
             <a:endParaRPr lang="en-US"/>
           </a:p>
@@ -2069,7 +2069,7 @@
           <a:p>
             <a:fld id="{C4A30A9E-D1A3-7B49-8CAC-F82BC2689F03}" type="datetimeFigureOut">
               <a:rPr lang="en-US" smtClean="0"/>
-              <a:t>1/20/19</a:t>
+              <a:t>1/25/19</a:t>
             </a:fld>
             <a:endParaRPr lang="en-US"/>
           </a:p>
@@ -2380,7 +2380,7 @@
           <a:p>
             <a:fld id="{C4A30A9E-D1A3-7B49-8CAC-F82BC2689F03}" type="datetimeFigureOut">
               <a:rPr lang="en-US" smtClean="0"/>
-              <a:t>1/20/19</a:t>
+              <a:t>1/25/19</a:t>
             </a:fld>
             <a:endParaRPr lang="en-US"/>
           </a:p>
@@ -2668,7 +2668,7 @@
           <a:p>
             <a:fld id="{C4A30A9E-D1A3-7B49-8CAC-F82BC2689F03}" type="datetimeFigureOut">
               <a:rPr lang="en-US" smtClean="0"/>
-              <a:t>1/20/19</a:t>
+              <a:t>1/25/19</a:t>
             </a:fld>
             <a:endParaRPr lang="en-US"/>
           </a:p>
@@ -2909,7 +2909,7 @@
           <a:p>
             <a:fld id="{C4A30A9E-D1A3-7B49-8CAC-F82BC2689F03}" type="datetimeFigureOut">
               <a:rPr lang="en-US" smtClean="0"/>
-              <a:t>1/20/19</a:t>
+              <a:t>1/25/19</a:t>
             </a:fld>
             <a:endParaRPr lang="en-US"/>
           </a:p>
@@ -3326,130 +3326,6 @@
           <a:chExt cx="0" cy="0"/>
         </a:xfrm>
       </p:grpSpPr>
-      <p:pic>
-        <p:nvPicPr>
-          <p:cNvPr id="25" name="Picture 24" descr="A small wooden table&#13;&#10;&#13;&#10;Description automatically generated">
-            <a:extLst>
-              <a:ext uri="{FF2B5EF4-FFF2-40B4-BE49-F238E27FC236}">
-                <a16:creationId xmlns:a16="http://schemas.microsoft.com/office/drawing/2014/main" id="{C291A538-F667-514D-8D84-1BBAE15C8853}"/>
-              </a:ext>
-            </a:extLst>
-          </p:cNvPr>
-          <p:cNvPicPr>
-            <a:picLocks noChangeAspect="1"/>
-          </p:cNvPicPr>
-          <p:nvPr/>
-        </p:nvPicPr>
-        <p:blipFill rotWithShape="1">
-          <a:blip r:embed="rId2"/>
-          <a:srcRect l="15208" t="17083" r="16354" b="27708"/>
-          <a:stretch/>
-        </p:blipFill>
-        <p:spPr>
-          <a:xfrm>
-            <a:off x="2286000" y="1385888"/>
-            <a:ext cx="6257925" cy="3786188"/>
-          </a:xfrm>
-          <a:prstGeom prst="rect">
-            <a:avLst/>
-          </a:prstGeom>
-        </p:spPr>
-      </p:pic>
-      <p:pic>
-        <p:nvPicPr>
-          <p:cNvPr id="27" name="Picture 26" descr="A picture containing table, indoor&#13;&#10;&#13;&#10;Description automatically generated">
-            <a:extLst>
-              <a:ext uri="{FF2B5EF4-FFF2-40B4-BE49-F238E27FC236}">
-                <a16:creationId xmlns:a16="http://schemas.microsoft.com/office/drawing/2014/main" id="{5D7F222D-832C-AA4A-A6DD-B1F43D0F034B}"/>
-              </a:ext>
-            </a:extLst>
-          </p:cNvPr>
-          <p:cNvPicPr>
-            <a:picLocks noChangeAspect="1"/>
-          </p:cNvPicPr>
-          <p:nvPr/>
-        </p:nvPicPr>
-        <p:blipFill rotWithShape="1">
-          <a:blip r:embed="rId3"/>
-          <a:srcRect l="26927" t="17083" r="26510" b="27709"/>
-          <a:stretch/>
-        </p:blipFill>
-        <p:spPr>
-          <a:xfrm>
-            <a:off x="3986213" y="1171575"/>
-            <a:ext cx="4257676" cy="3786188"/>
-          </a:xfrm>
-          <a:prstGeom prst="rect">
-            <a:avLst/>
-          </a:prstGeom>
-        </p:spPr>
-      </p:pic>
-      <p:pic>
-        <p:nvPicPr>
-          <p:cNvPr id="29" name="Picture 28" descr="A picture containing indoor, table, sitting, floor&#13;&#10;&#13;&#10;Description automatically generated">
-            <a:extLst>
-              <a:ext uri="{FF2B5EF4-FFF2-40B4-BE49-F238E27FC236}">
-                <a16:creationId xmlns:a16="http://schemas.microsoft.com/office/drawing/2014/main" id="{A5772B5C-7584-5147-8794-5FC7580C4BAD}"/>
-              </a:ext>
-            </a:extLst>
-          </p:cNvPr>
-          <p:cNvPicPr>
-            <a:picLocks noChangeAspect="1"/>
-          </p:cNvPicPr>
-          <p:nvPr/>
-        </p:nvPicPr>
-        <p:blipFill>
-          <a:blip r:embed="rId4"/>
-          <a:stretch>
-            <a:fillRect/>
-          </a:stretch>
-        </p:blipFill>
-        <p:spPr>
-          <a:xfrm>
-            <a:off x="1395682" y="193675"/>
-            <a:ext cx="9400635" cy="5492750"/>
-          </a:xfrm>
-          <a:prstGeom prst="rect">
-            <a:avLst/>
-          </a:prstGeom>
-        </p:spPr>
-      </p:pic>
-      <p:sp>
-        <p:nvSpPr>
-          <p:cNvPr id="31" name="TextBox 30">
-            <a:extLst>
-              <a:ext uri="{FF2B5EF4-FFF2-40B4-BE49-F238E27FC236}">
-                <a16:creationId xmlns:a16="http://schemas.microsoft.com/office/drawing/2014/main" id="{85193B88-968D-7042-9971-48D17A229EBF}"/>
-              </a:ext>
-            </a:extLst>
-          </p:cNvPr>
-          <p:cNvSpPr txBox="1"/>
-          <p:nvPr/>
-        </p:nvSpPr>
-        <p:spPr>
-          <a:xfrm>
-            <a:off x="3489195" y="4685586"/>
-            <a:ext cx="5238870" cy="1107996"/>
-          </a:xfrm>
-          <a:prstGeom prst="rect">
-            <a:avLst/>
-          </a:prstGeom>
-          <a:noFill/>
-        </p:spPr>
-        <p:txBody>
-          <a:bodyPr wrap="none" rtlCol="0">
-            <a:spAutoFit/>
-          </a:bodyPr>
-          <a:lstStyle/>
-          <a:p>
-            <a:r>
-              <a:rPr lang="en-US" sz="6600" dirty="0"/>
-              <a:t>Accelerometer</a:t>
-            </a:r>
-            <a:endParaRPr lang="en-US" sz="3600" dirty="0"/>
-          </a:p>
-        </p:txBody>
-      </p:sp>
       <p:cxnSp>
         <p:nvCxnSpPr>
           <p:cNvPr id="33" name="Straight Arrow Connector 32">
@@ -3526,6 +3402,415 @@
           </a:p>
         </p:txBody>
       </p:sp>
+      <p:pic>
+        <p:nvPicPr>
+          <p:cNvPr id="19" name="Picture 18" descr="A picture containing indoor, table&#13;&#10;&#13;&#10;Description automatically generated">
+            <a:extLst>
+              <a:ext uri="{FF2B5EF4-FFF2-40B4-BE49-F238E27FC236}">
+                <a16:creationId xmlns:a16="http://schemas.microsoft.com/office/drawing/2014/main" id="{AE8E8F97-343D-4047-BA2B-26ED97A29ECA}"/>
+              </a:ext>
+            </a:extLst>
+          </p:cNvPr>
+          <p:cNvPicPr>
+            <a:picLocks noChangeAspect="1"/>
+          </p:cNvPicPr>
+          <p:nvPr/>
+        </p:nvPicPr>
+        <p:blipFill rotWithShape="1">
+          <a:blip r:embed="rId2"/>
+          <a:srcRect t="15521" b="20247"/>
+          <a:stretch/>
+        </p:blipFill>
+        <p:spPr>
+          <a:xfrm>
+            <a:off x="2491818" y="274005"/>
+            <a:ext cx="5143500" cy="4405049"/>
+          </a:xfrm>
+          <a:prstGeom prst="rect">
+            <a:avLst/>
+          </a:prstGeom>
+        </p:spPr>
+      </p:pic>
+      <p:cxnSp>
+        <p:nvCxnSpPr>
+          <p:cNvPr id="21" name="Straight Arrow Connector 20">
+            <a:extLst>
+              <a:ext uri="{FF2B5EF4-FFF2-40B4-BE49-F238E27FC236}">
+                <a16:creationId xmlns:a16="http://schemas.microsoft.com/office/drawing/2014/main" id="{00BB9928-83DE-F441-861B-F1C9BE750D7F}"/>
+              </a:ext>
+            </a:extLst>
+          </p:cNvPr>
+          <p:cNvCxnSpPr>
+            <a:cxnSpLocks/>
+          </p:cNvCxnSpPr>
+          <p:nvPr/>
+        </p:nvCxnSpPr>
+        <p:spPr>
+          <a:xfrm flipV="1">
+            <a:off x="4822371" y="468086"/>
+            <a:ext cx="0" cy="1045029"/>
+          </a:xfrm>
+          <a:prstGeom prst="straightConnector1">
+            <a:avLst/>
+          </a:prstGeom>
+          <a:ln w="50800">
+            <a:solidFill>
+              <a:srgbClr val="0070C0"/>
+            </a:solidFill>
+            <a:tailEnd type="triangle"/>
+          </a:ln>
+        </p:spPr>
+        <p:style>
+          <a:lnRef idx="1">
+            <a:schemeClr val="accent2"/>
+          </a:lnRef>
+          <a:fillRef idx="0">
+            <a:schemeClr val="accent2"/>
+          </a:fillRef>
+          <a:effectRef idx="0">
+            <a:schemeClr val="accent2"/>
+          </a:effectRef>
+          <a:fontRef idx="minor">
+            <a:schemeClr val="tx1"/>
+          </a:fontRef>
+        </p:style>
+      </p:cxnSp>
+      <p:cxnSp>
+        <p:nvCxnSpPr>
+          <p:cNvPr id="28" name="Straight Arrow Connector 27">
+            <a:extLst>
+              <a:ext uri="{FF2B5EF4-FFF2-40B4-BE49-F238E27FC236}">
+                <a16:creationId xmlns:a16="http://schemas.microsoft.com/office/drawing/2014/main" id="{35AF6E44-BB4E-D945-BE15-A991412E758A}"/>
+              </a:ext>
+            </a:extLst>
+          </p:cNvPr>
+          <p:cNvCxnSpPr>
+            <a:cxnSpLocks/>
+          </p:cNvCxnSpPr>
+          <p:nvPr/>
+        </p:nvCxnSpPr>
+        <p:spPr>
+          <a:xfrm flipV="1">
+            <a:off x="4822371" y="936170"/>
+            <a:ext cx="870858" cy="576945"/>
+          </a:xfrm>
+          <a:prstGeom prst="straightConnector1">
+            <a:avLst/>
+          </a:prstGeom>
+          <a:ln w="50800">
+            <a:solidFill>
+              <a:srgbClr val="FF0000"/>
+            </a:solidFill>
+            <a:tailEnd type="triangle"/>
+          </a:ln>
+        </p:spPr>
+        <p:style>
+          <a:lnRef idx="1">
+            <a:schemeClr val="accent2"/>
+          </a:lnRef>
+          <a:fillRef idx="0">
+            <a:schemeClr val="accent2"/>
+          </a:fillRef>
+          <a:effectRef idx="0">
+            <a:schemeClr val="accent2"/>
+          </a:effectRef>
+          <a:fontRef idx="minor">
+            <a:schemeClr val="tx1"/>
+          </a:fontRef>
+        </p:style>
+      </p:cxnSp>
+      <p:cxnSp>
+        <p:nvCxnSpPr>
+          <p:cNvPr id="30" name="Straight Arrow Connector 29">
+            <a:extLst>
+              <a:ext uri="{FF2B5EF4-FFF2-40B4-BE49-F238E27FC236}">
+                <a16:creationId xmlns:a16="http://schemas.microsoft.com/office/drawing/2014/main" id="{7C944366-88CD-7842-B3A2-55FF61D8223D}"/>
+              </a:ext>
+            </a:extLst>
+          </p:cNvPr>
+          <p:cNvCxnSpPr>
+            <a:cxnSpLocks/>
+          </p:cNvCxnSpPr>
+          <p:nvPr/>
+        </p:nvCxnSpPr>
+        <p:spPr>
+          <a:xfrm flipH="1" flipV="1">
+            <a:off x="3951514" y="990600"/>
+            <a:ext cx="870856" cy="522515"/>
+          </a:xfrm>
+          <a:prstGeom prst="straightConnector1">
+            <a:avLst/>
+          </a:prstGeom>
+          <a:ln w="50800">
+            <a:solidFill>
+              <a:srgbClr val="00B050"/>
+            </a:solidFill>
+            <a:tailEnd type="triangle"/>
+          </a:ln>
+        </p:spPr>
+        <p:style>
+          <a:lnRef idx="1">
+            <a:schemeClr val="accent2"/>
+          </a:lnRef>
+          <a:fillRef idx="0">
+            <a:schemeClr val="accent2"/>
+          </a:fillRef>
+          <a:effectRef idx="0">
+            <a:schemeClr val="accent2"/>
+          </a:effectRef>
+          <a:fontRef idx="minor">
+            <a:schemeClr val="tx1"/>
+          </a:fontRef>
+        </p:style>
+      </p:cxnSp>
+      <p:sp>
+        <p:nvSpPr>
+          <p:cNvPr id="32" name="TextBox 31">
+            <a:extLst>
+              <a:ext uri="{FF2B5EF4-FFF2-40B4-BE49-F238E27FC236}">
+                <a16:creationId xmlns:a16="http://schemas.microsoft.com/office/drawing/2014/main" id="{E2904AF1-D9D2-1F4D-B143-AED07219EDE3}"/>
+              </a:ext>
+            </a:extLst>
+          </p:cNvPr>
+          <p:cNvSpPr txBox="1"/>
+          <p:nvPr/>
+        </p:nvSpPr>
+        <p:spPr>
+          <a:xfrm>
+            <a:off x="5684557" y="468086"/>
+            <a:ext cx="544285" cy="584775"/>
+          </a:xfrm>
+          <a:prstGeom prst="rect">
+            <a:avLst/>
+          </a:prstGeom>
+          <a:noFill/>
+        </p:spPr>
+        <p:txBody>
+          <a:bodyPr wrap="square" rtlCol="0">
+            <a:spAutoFit/>
+          </a:bodyPr>
+          <a:lstStyle/>
+          <a:p>
+            <a:r>
+              <a:rPr lang="en-US" sz="3200" dirty="0">
+                <a:solidFill>
+                  <a:srgbClr val="FF0000"/>
+                </a:solidFill>
+              </a:rPr>
+              <a:t>X</a:t>
+            </a:r>
+          </a:p>
+        </p:txBody>
+      </p:sp>
+      <p:sp>
+        <p:nvSpPr>
+          <p:cNvPr id="34" name="TextBox 33">
+            <a:extLst>
+              <a:ext uri="{FF2B5EF4-FFF2-40B4-BE49-F238E27FC236}">
+                <a16:creationId xmlns:a16="http://schemas.microsoft.com/office/drawing/2014/main" id="{37F4880F-9109-8B40-90DB-95353EFD7C89}"/>
+              </a:ext>
+            </a:extLst>
+          </p:cNvPr>
+          <p:cNvSpPr txBox="1"/>
+          <p:nvPr/>
+        </p:nvSpPr>
+        <p:spPr>
+          <a:xfrm>
+            <a:off x="4887683" y="274005"/>
+            <a:ext cx="544285" cy="584775"/>
+          </a:xfrm>
+          <a:prstGeom prst="rect">
+            <a:avLst/>
+          </a:prstGeom>
+          <a:noFill/>
+        </p:spPr>
+        <p:txBody>
+          <a:bodyPr wrap="square" rtlCol="0">
+            <a:spAutoFit/>
+          </a:bodyPr>
+          <a:lstStyle/>
+          <a:p>
+            <a:r>
+              <a:rPr lang="en-US" sz="3200" dirty="0">
+                <a:solidFill>
+                  <a:srgbClr val="0070C0"/>
+                </a:solidFill>
+              </a:rPr>
+              <a:t>Z</a:t>
+            </a:r>
+          </a:p>
+        </p:txBody>
+      </p:sp>
+      <p:sp>
+        <p:nvSpPr>
+          <p:cNvPr id="35" name="TextBox 34">
+            <a:extLst>
+              <a:ext uri="{FF2B5EF4-FFF2-40B4-BE49-F238E27FC236}">
+                <a16:creationId xmlns:a16="http://schemas.microsoft.com/office/drawing/2014/main" id="{D07C114E-B3EF-7142-AA6A-FD5F22C87501}"/>
+              </a:ext>
+            </a:extLst>
+          </p:cNvPr>
+          <p:cNvSpPr txBox="1"/>
+          <p:nvPr/>
+        </p:nvSpPr>
+        <p:spPr>
+          <a:xfrm>
+            <a:off x="3788229" y="1047417"/>
+            <a:ext cx="544285" cy="584775"/>
+          </a:xfrm>
+          <a:prstGeom prst="rect">
+            <a:avLst/>
+          </a:prstGeom>
+          <a:noFill/>
+        </p:spPr>
+        <p:txBody>
+          <a:bodyPr wrap="square" rtlCol="0">
+            <a:spAutoFit/>
+          </a:bodyPr>
+          <a:lstStyle/>
+          <a:p>
+            <a:r>
+              <a:rPr lang="en-US" sz="3200" dirty="0">
+                <a:solidFill>
+                  <a:srgbClr val="00B050"/>
+                </a:solidFill>
+              </a:rPr>
+              <a:t>Y</a:t>
+            </a:r>
+          </a:p>
+        </p:txBody>
+      </p:sp>
+      <p:sp>
+        <p:nvSpPr>
+          <p:cNvPr id="41" name="Diamond 40">
+            <a:extLst>
+              <a:ext uri="{FF2B5EF4-FFF2-40B4-BE49-F238E27FC236}">
+                <a16:creationId xmlns:a16="http://schemas.microsoft.com/office/drawing/2014/main" id="{4DDC41E3-238C-2E41-9B67-045E964E442F}"/>
+              </a:ext>
+            </a:extLst>
+          </p:cNvPr>
+          <p:cNvSpPr/>
+          <p:nvPr/>
+        </p:nvSpPr>
+        <p:spPr>
+          <a:xfrm>
+            <a:off x="4291186" y="1272631"/>
+            <a:ext cx="1012372" cy="719122"/>
+          </a:xfrm>
+          <a:prstGeom prst="diamond">
+            <a:avLst/>
+          </a:prstGeom>
+          <a:noFill/>
+          <a:ln>
+            <a:solidFill>
+              <a:srgbClr val="FF0000"/>
+            </a:solidFill>
+          </a:ln>
+        </p:spPr>
+        <p:style>
+          <a:lnRef idx="2">
+            <a:schemeClr val="accent1">
+              <a:shade val="50000"/>
+            </a:schemeClr>
+          </a:lnRef>
+          <a:fillRef idx="1">
+            <a:schemeClr val="accent1"/>
+          </a:fillRef>
+          <a:effectRef idx="0">
+            <a:schemeClr val="accent1"/>
+          </a:effectRef>
+          <a:fontRef idx="minor">
+            <a:schemeClr val="lt1"/>
+          </a:fontRef>
+        </p:style>
+        <p:txBody>
+          <a:bodyPr rtlCol="0" anchor="ctr"/>
+          <a:lstStyle/>
+          <a:p>
+            <a:pPr algn="ctr"/>
+            <a:endParaRPr lang="en-US"/>
+          </a:p>
+        </p:txBody>
+      </p:sp>
+      <p:sp>
+        <p:nvSpPr>
+          <p:cNvPr id="42" name="TextBox 41">
+            <a:extLst>
+              <a:ext uri="{FF2B5EF4-FFF2-40B4-BE49-F238E27FC236}">
+                <a16:creationId xmlns:a16="http://schemas.microsoft.com/office/drawing/2014/main" id="{04CBC2C2-2E95-074F-A2B6-4C1AE8B841AA}"/>
+              </a:ext>
+            </a:extLst>
+          </p:cNvPr>
+          <p:cNvSpPr txBox="1"/>
+          <p:nvPr/>
+        </p:nvSpPr>
+        <p:spPr>
+          <a:xfrm>
+            <a:off x="5309360" y="3932919"/>
+            <a:ext cx="2325958" cy="523220"/>
+          </a:xfrm>
+          <a:prstGeom prst="rect">
+            <a:avLst/>
+          </a:prstGeom>
+          <a:noFill/>
+        </p:spPr>
+        <p:txBody>
+          <a:bodyPr wrap="none" rtlCol="0">
+            <a:spAutoFit/>
+          </a:bodyPr>
+          <a:lstStyle/>
+          <a:p>
+            <a:r>
+              <a:rPr lang="en-US" sz="2800" dirty="0"/>
+              <a:t>Accelerometer</a:t>
+            </a:r>
+          </a:p>
+        </p:txBody>
+      </p:sp>
+      <p:cxnSp>
+        <p:nvCxnSpPr>
+          <p:cNvPr id="43" name="Straight Arrow Connector 42">
+            <a:extLst>
+              <a:ext uri="{FF2B5EF4-FFF2-40B4-BE49-F238E27FC236}">
+                <a16:creationId xmlns:a16="http://schemas.microsoft.com/office/drawing/2014/main" id="{80B1C6C5-A743-B843-A2BB-C3F07D81553A}"/>
+              </a:ext>
+            </a:extLst>
+          </p:cNvPr>
+          <p:cNvCxnSpPr>
+            <a:cxnSpLocks/>
+          </p:cNvCxnSpPr>
+          <p:nvPr/>
+        </p:nvCxnSpPr>
+        <p:spPr>
+          <a:xfrm flipH="1" flipV="1">
+            <a:off x="4985657" y="1861457"/>
+            <a:ext cx="1444572" cy="2071463"/>
+          </a:xfrm>
+          <a:prstGeom prst="straightConnector1">
+            <a:avLst/>
+          </a:prstGeom>
+          <a:ln w="9525">
+            <a:solidFill>
+              <a:srgbClr val="FF0000"/>
+            </a:solidFill>
+            <a:tailEnd type="triangle" w="lg" len="lg"/>
+          </a:ln>
+        </p:spPr>
+        <p:style>
+          <a:lnRef idx="1">
+            <a:schemeClr val="accent2"/>
+          </a:lnRef>
+          <a:fillRef idx="0">
+            <a:schemeClr val="accent2"/>
+          </a:fillRef>
+          <a:effectRef idx="0">
+            <a:schemeClr val="accent2"/>
+          </a:effectRef>
+          <a:fontRef idx="minor">
+            <a:schemeClr val="tx1"/>
+          </a:fontRef>
+        </p:style>
+      </p:cxnSp>
     </p:spTree>
     <p:extLst>
       <p:ext uri="{BB962C8B-B14F-4D97-AF65-F5344CB8AC3E}">

--- a/docs/thesis/fig/fal1.pptx
+++ b/docs/thesis/fig/fal1.pptx
@@ -3326,50 +3326,6 @@
           <a:chExt cx="0" cy="0"/>
         </a:xfrm>
       </p:grpSpPr>
-      <p:cxnSp>
-        <p:nvCxnSpPr>
-          <p:cNvPr id="33" name="Straight Arrow Connector 32">
-            <a:extLst>
-              <a:ext uri="{FF2B5EF4-FFF2-40B4-BE49-F238E27FC236}">
-                <a16:creationId xmlns:a16="http://schemas.microsoft.com/office/drawing/2014/main" id="{D7353289-4C4D-424E-B2C1-35948C55497D}"/>
-              </a:ext>
-            </a:extLst>
-          </p:cNvPr>
-          <p:cNvCxnSpPr>
-            <a:cxnSpLocks/>
-          </p:cNvCxnSpPr>
-          <p:nvPr/>
-        </p:nvCxnSpPr>
-        <p:spPr>
-          <a:xfrm flipV="1">
-            <a:off x="6095998" y="2792494"/>
-            <a:ext cx="0" cy="2073796"/>
-          </a:xfrm>
-          <a:prstGeom prst="straightConnector1">
-            <a:avLst/>
-          </a:prstGeom>
-          <a:ln w="101600">
-            <a:solidFill>
-              <a:schemeClr val="bg1"/>
-            </a:solidFill>
-            <a:tailEnd type="triangle"/>
-          </a:ln>
-        </p:spPr>
-        <p:style>
-          <a:lnRef idx="2">
-            <a:schemeClr val="accent2"/>
-          </a:lnRef>
-          <a:fillRef idx="0">
-            <a:schemeClr val="accent2"/>
-          </a:fillRef>
-          <a:effectRef idx="1">
-            <a:schemeClr val="accent2"/>
-          </a:effectRef>
-          <a:fontRef idx="minor">
-            <a:schemeClr val="tx1"/>
-          </a:fontRef>
-        </p:style>
-      </p:cxnSp>
       <p:sp>
         <p:nvSpPr>
           <p:cNvPr id="7" name="TextBox 6">
@@ -3404,10 +3360,10 @@
       </p:sp>
       <p:pic>
         <p:nvPicPr>
-          <p:cNvPr id="19" name="Picture 18" descr="A picture containing indoor, table&#13;&#10;&#13;&#10;Description automatically generated">
-            <a:extLst>
-              <a:ext uri="{FF2B5EF4-FFF2-40B4-BE49-F238E27FC236}">
-                <a16:creationId xmlns:a16="http://schemas.microsoft.com/office/drawing/2014/main" id="{AE8E8F97-343D-4047-BA2B-26ED97A29ECA}"/>
+          <p:cNvPr id="61" name="Picture 60" descr="A picture containing table, cup, indoor, coffee&#13;&#10;&#13;&#10;Description automatically generated">
+            <a:extLst>
+              <a:ext uri="{FF2B5EF4-FFF2-40B4-BE49-F238E27FC236}">
+                <a16:creationId xmlns:a16="http://schemas.microsoft.com/office/drawing/2014/main" id="{1D7CF723-1935-514B-B42A-4679641B26D0}"/>
               </a:ext>
             </a:extLst>
           </p:cNvPr>
@@ -3416,15 +3372,16 @@
           </p:cNvPicPr>
           <p:nvPr/>
         </p:nvPicPr>
-        <p:blipFill rotWithShape="1">
+        <p:blipFill>
           <a:blip r:embed="rId2"/>
-          <a:srcRect t="15521" b="20247"/>
-          <a:stretch/>
+          <a:stretch>
+            <a:fillRect/>
+          </a:stretch>
         </p:blipFill>
         <p:spPr>
           <a:xfrm>
-            <a:off x="2491818" y="274005"/>
-            <a:ext cx="5143500" cy="4405049"/>
+            <a:off x="3681186" y="1183821"/>
+            <a:ext cx="4241800" cy="3771900"/>
           </a:xfrm>
           <a:prstGeom prst="rect">
             <a:avLst/>
@@ -3433,10 +3390,10 @@
       </p:pic>
       <p:cxnSp>
         <p:nvCxnSpPr>
-          <p:cNvPr id="21" name="Straight Arrow Connector 20">
-            <a:extLst>
-              <a:ext uri="{FF2B5EF4-FFF2-40B4-BE49-F238E27FC236}">
-                <a16:creationId xmlns:a16="http://schemas.microsoft.com/office/drawing/2014/main" id="{00BB9928-83DE-F441-861B-F1C9BE750D7F}"/>
+          <p:cNvPr id="64" name="Straight Arrow Connector 63">
+            <a:extLst>
+              <a:ext uri="{FF2B5EF4-FFF2-40B4-BE49-F238E27FC236}">
+                <a16:creationId xmlns:a16="http://schemas.microsoft.com/office/drawing/2014/main" id="{3119630A-1CC8-0149-A0C5-8937B79D2BF8}"/>
               </a:ext>
             </a:extLst>
           </p:cNvPr>
@@ -3446,29 +3403,29 @@
           <p:nvPr/>
         </p:nvCxnSpPr>
         <p:spPr>
-          <a:xfrm flipV="1">
-            <a:off x="4822371" y="468086"/>
-            <a:ext cx="0" cy="1045029"/>
+          <a:xfrm>
+            <a:off x="4463143" y="1770294"/>
+            <a:ext cx="664028" cy="2007049"/>
           </a:xfrm>
           <a:prstGeom prst="straightConnector1">
             <a:avLst/>
           </a:prstGeom>
-          <a:ln w="50800">
+          <a:ln w="38100">
             <a:solidFill>
-              <a:srgbClr val="0070C0"/>
+              <a:srgbClr val="FF0000"/>
             </a:solidFill>
-            <a:tailEnd type="triangle"/>
+            <a:tailEnd type="triangle" w="lg" len="lg"/>
           </a:ln>
         </p:spPr>
         <p:style>
           <a:lnRef idx="1">
-            <a:schemeClr val="accent2"/>
+            <a:schemeClr val="accent1"/>
           </a:lnRef>
           <a:fillRef idx="0">
-            <a:schemeClr val="accent2"/>
+            <a:schemeClr val="accent1"/>
           </a:fillRef>
           <a:effectRef idx="0">
-            <a:schemeClr val="accent2"/>
+            <a:schemeClr val="accent1"/>
           </a:effectRef>
           <a:fontRef idx="minor">
             <a:schemeClr val="tx1"/>
@@ -3477,319 +3434,28 @@
       </p:cxnSp>
       <p:cxnSp>
         <p:nvCxnSpPr>
-          <p:cNvPr id="28" name="Straight Arrow Connector 27">
-            <a:extLst>
-              <a:ext uri="{FF2B5EF4-FFF2-40B4-BE49-F238E27FC236}">
-                <a16:creationId xmlns:a16="http://schemas.microsoft.com/office/drawing/2014/main" id="{35AF6E44-BB4E-D945-BE15-A991412E758A}"/>
+          <p:cNvPr id="66" name="Straight Arrow Connector 65">
+            <a:extLst>
+              <a:ext uri="{FF2B5EF4-FFF2-40B4-BE49-F238E27FC236}">
+                <a16:creationId xmlns:a16="http://schemas.microsoft.com/office/drawing/2014/main" id="{71931528-F811-E04D-B579-29820789E914}"/>
               </a:ext>
             </a:extLst>
           </p:cNvPr>
           <p:cNvCxnSpPr>
             <a:cxnSpLocks/>
-          </p:cNvCxnSpPr>
-          <p:nvPr/>
-        </p:nvCxnSpPr>
-        <p:spPr>
-          <a:xfrm flipV="1">
-            <a:off x="4822371" y="936170"/>
-            <a:ext cx="870858" cy="576945"/>
-          </a:xfrm>
-          <a:prstGeom prst="straightConnector1">
-            <a:avLst/>
-          </a:prstGeom>
-          <a:ln w="50800">
-            <a:solidFill>
-              <a:srgbClr val="FF0000"/>
-            </a:solidFill>
-            <a:tailEnd type="triangle"/>
-          </a:ln>
-        </p:spPr>
-        <p:style>
-          <a:lnRef idx="1">
-            <a:schemeClr val="accent2"/>
-          </a:lnRef>
-          <a:fillRef idx="0">
-            <a:schemeClr val="accent2"/>
-          </a:fillRef>
-          <a:effectRef idx="0">
-            <a:schemeClr val="accent2"/>
-          </a:effectRef>
-          <a:fontRef idx="minor">
-            <a:schemeClr val="tx1"/>
-          </a:fontRef>
-        </p:style>
-      </p:cxnSp>
-      <p:cxnSp>
-        <p:nvCxnSpPr>
-          <p:cNvPr id="30" name="Straight Arrow Connector 29">
-            <a:extLst>
-              <a:ext uri="{FF2B5EF4-FFF2-40B4-BE49-F238E27FC236}">
-                <a16:creationId xmlns:a16="http://schemas.microsoft.com/office/drawing/2014/main" id="{7C944366-88CD-7842-B3A2-55FF61D8223D}"/>
-              </a:ext>
-            </a:extLst>
-          </p:cNvPr>
-          <p:cNvCxnSpPr>
-            <a:cxnSpLocks/>
+            <a:stCxn id="68" idx="0"/>
           </p:cNvCxnSpPr>
           <p:nvPr/>
         </p:nvCxnSpPr>
         <p:spPr>
           <a:xfrm flipH="1" flipV="1">
-            <a:off x="3951514" y="990600"/>
-            <a:ext cx="870856" cy="522515"/>
+            <a:off x="5856516" y="4245429"/>
+            <a:ext cx="1050470" cy="170480"/>
           </a:xfrm>
           <a:prstGeom prst="straightConnector1">
             <a:avLst/>
           </a:prstGeom>
-          <a:ln w="50800">
-            <a:solidFill>
-              <a:srgbClr val="00B050"/>
-            </a:solidFill>
-            <a:tailEnd type="triangle"/>
-          </a:ln>
-        </p:spPr>
-        <p:style>
-          <a:lnRef idx="1">
-            <a:schemeClr val="accent2"/>
-          </a:lnRef>
-          <a:fillRef idx="0">
-            <a:schemeClr val="accent2"/>
-          </a:fillRef>
-          <a:effectRef idx="0">
-            <a:schemeClr val="accent2"/>
-          </a:effectRef>
-          <a:fontRef idx="minor">
-            <a:schemeClr val="tx1"/>
-          </a:fontRef>
-        </p:style>
-      </p:cxnSp>
-      <p:sp>
-        <p:nvSpPr>
-          <p:cNvPr id="32" name="TextBox 31">
-            <a:extLst>
-              <a:ext uri="{FF2B5EF4-FFF2-40B4-BE49-F238E27FC236}">
-                <a16:creationId xmlns:a16="http://schemas.microsoft.com/office/drawing/2014/main" id="{E2904AF1-D9D2-1F4D-B143-AED07219EDE3}"/>
-              </a:ext>
-            </a:extLst>
-          </p:cNvPr>
-          <p:cNvSpPr txBox="1"/>
-          <p:nvPr/>
-        </p:nvSpPr>
-        <p:spPr>
-          <a:xfrm>
-            <a:off x="5684557" y="468086"/>
-            <a:ext cx="544285" cy="584775"/>
-          </a:xfrm>
-          <a:prstGeom prst="rect">
-            <a:avLst/>
-          </a:prstGeom>
-          <a:noFill/>
-        </p:spPr>
-        <p:txBody>
-          <a:bodyPr wrap="square" rtlCol="0">
-            <a:spAutoFit/>
-          </a:bodyPr>
-          <a:lstStyle/>
-          <a:p>
-            <a:r>
-              <a:rPr lang="en-US" sz="3200" dirty="0">
-                <a:solidFill>
-                  <a:srgbClr val="FF0000"/>
-                </a:solidFill>
-              </a:rPr>
-              <a:t>X</a:t>
-            </a:r>
-          </a:p>
-        </p:txBody>
-      </p:sp>
-      <p:sp>
-        <p:nvSpPr>
-          <p:cNvPr id="34" name="TextBox 33">
-            <a:extLst>
-              <a:ext uri="{FF2B5EF4-FFF2-40B4-BE49-F238E27FC236}">
-                <a16:creationId xmlns:a16="http://schemas.microsoft.com/office/drawing/2014/main" id="{37F4880F-9109-8B40-90DB-95353EFD7C89}"/>
-              </a:ext>
-            </a:extLst>
-          </p:cNvPr>
-          <p:cNvSpPr txBox="1"/>
-          <p:nvPr/>
-        </p:nvSpPr>
-        <p:spPr>
-          <a:xfrm>
-            <a:off x="4887683" y="274005"/>
-            <a:ext cx="544285" cy="584775"/>
-          </a:xfrm>
-          <a:prstGeom prst="rect">
-            <a:avLst/>
-          </a:prstGeom>
-          <a:noFill/>
-        </p:spPr>
-        <p:txBody>
-          <a:bodyPr wrap="square" rtlCol="0">
-            <a:spAutoFit/>
-          </a:bodyPr>
-          <a:lstStyle/>
-          <a:p>
-            <a:r>
-              <a:rPr lang="en-US" sz="3200" dirty="0">
-                <a:solidFill>
-                  <a:srgbClr val="0070C0"/>
-                </a:solidFill>
-              </a:rPr>
-              <a:t>Z</a:t>
-            </a:r>
-          </a:p>
-        </p:txBody>
-      </p:sp>
-      <p:sp>
-        <p:nvSpPr>
-          <p:cNvPr id="35" name="TextBox 34">
-            <a:extLst>
-              <a:ext uri="{FF2B5EF4-FFF2-40B4-BE49-F238E27FC236}">
-                <a16:creationId xmlns:a16="http://schemas.microsoft.com/office/drawing/2014/main" id="{D07C114E-B3EF-7142-AA6A-FD5F22C87501}"/>
-              </a:ext>
-            </a:extLst>
-          </p:cNvPr>
-          <p:cNvSpPr txBox="1"/>
-          <p:nvPr/>
-        </p:nvSpPr>
-        <p:spPr>
-          <a:xfrm>
-            <a:off x="3788229" y="1047417"/>
-            <a:ext cx="544285" cy="584775"/>
-          </a:xfrm>
-          <a:prstGeom prst="rect">
-            <a:avLst/>
-          </a:prstGeom>
-          <a:noFill/>
-        </p:spPr>
-        <p:txBody>
-          <a:bodyPr wrap="square" rtlCol="0">
-            <a:spAutoFit/>
-          </a:bodyPr>
-          <a:lstStyle/>
-          <a:p>
-            <a:r>
-              <a:rPr lang="en-US" sz="3200" dirty="0">
-                <a:solidFill>
-                  <a:srgbClr val="00B050"/>
-                </a:solidFill>
-              </a:rPr>
-              <a:t>Y</a:t>
-            </a:r>
-          </a:p>
-        </p:txBody>
-      </p:sp>
-      <p:sp>
-        <p:nvSpPr>
-          <p:cNvPr id="41" name="Diamond 40">
-            <a:extLst>
-              <a:ext uri="{FF2B5EF4-FFF2-40B4-BE49-F238E27FC236}">
-                <a16:creationId xmlns:a16="http://schemas.microsoft.com/office/drawing/2014/main" id="{4DDC41E3-238C-2E41-9B67-045E964E442F}"/>
-              </a:ext>
-            </a:extLst>
-          </p:cNvPr>
-          <p:cNvSpPr/>
-          <p:nvPr/>
-        </p:nvSpPr>
-        <p:spPr>
-          <a:xfrm>
-            <a:off x="4291186" y="1272631"/>
-            <a:ext cx="1012372" cy="719122"/>
-          </a:xfrm>
-          <a:prstGeom prst="diamond">
-            <a:avLst/>
-          </a:prstGeom>
-          <a:noFill/>
-          <a:ln>
-            <a:solidFill>
-              <a:srgbClr val="FF0000"/>
-            </a:solidFill>
-          </a:ln>
-        </p:spPr>
-        <p:style>
-          <a:lnRef idx="2">
-            <a:schemeClr val="accent1">
-              <a:shade val="50000"/>
-            </a:schemeClr>
-          </a:lnRef>
-          <a:fillRef idx="1">
-            <a:schemeClr val="accent1"/>
-          </a:fillRef>
-          <a:effectRef idx="0">
-            <a:schemeClr val="accent1"/>
-          </a:effectRef>
-          <a:fontRef idx="minor">
-            <a:schemeClr val="lt1"/>
-          </a:fontRef>
-        </p:style>
-        <p:txBody>
-          <a:bodyPr rtlCol="0" anchor="ctr"/>
-          <a:lstStyle/>
-          <a:p>
-            <a:pPr algn="ctr"/>
-            <a:endParaRPr lang="en-US"/>
-          </a:p>
-        </p:txBody>
-      </p:sp>
-      <p:sp>
-        <p:nvSpPr>
-          <p:cNvPr id="42" name="TextBox 41">
-            <a:extLst>
-              <a:ext uri="{FF2B5EF4-FFF2-40B4-BE49-F238E27FC236}">
-                <a16:creationId xmlns:a16="http://schemas.microsoft.com/office/drawing/2014/main" id="{04CBC2C2-2E95-074F-A2B6-4C1AE8B841AA}"/>
-              </a:ext>
-            </a:extLst>
-          </p:cNvPr>
-          <p:cNvSpPr txBox="1"/>
-          <p:nvPr/>
-        </p:nvSpPr>
-        <p:spPr>
-          <a:xfrm>
-            <a:off x="5309360" y="3932919"/>
-            <a:ext cx="2325958" cy="523220"/>
-          </a:xfrm>
-          <a:prstGeom prst="rect">
-            <a:avLst/>
-          </a:prstGeom>
-          <a:noFill/>
-        </p:spPr>
-        <p:txBody>
-          <a:bodyPr wrap="none" rtlCol="0">
-            <a:spAutoFit/>
-          </a:bodyPr>
-          <a:lstStyle/>
-          <a:p>
-            <a:r>
-              <a:rPr lang="en-US" sz="2800" dirty="0"/>
-              <a:t>Accelerometer</a:t>
-            </a:r>
-          </a:p>
-        </p:txBody>
-      </p:sp>
-      <p:cxnSp>
-        <p:nvCxnSpPr>
-          <p:cNvPr id="43" name="Straight Arrow Connector 42">
-            <a:extLst>
-              <a:ext uri="{FF2B5EF4-FFF2-40B4-BE49-F238E27FC236}">
-                <a16:creationId xmlns:a16="http://schemas.microsoft.com/office/drawing/2014/main" id="{80B1C6C5-A743-B843-A2BB-C3F07D81553A}"/>
-              </a:ext>
-            </a:extLst>
-          </p:cNvPr>
-          <p:cNvCxnSpPr>
-            <a:cxnSpLocks/>
-          </p:cNvCxnSpPr>
-          <p:nvPr/>
-        </p:nvCxnSpPr>
-        <p:spPr>
-          <a:xfrm flipH="1" flipV="1">
-            <a:off x="4985657" y="1861457"/>
-            <a:ext cx="1444572" cy="2071463"/>
-          </a:xfrm>
-          <a:prstGeom prst="straightConnector1">
-            <a:avLst/>
-          </a:prstGeom>
-          <a:ln w="9525">
+          <a:ln w="38100">
             <a:solidFill>
               <a:srgbClr val="FF0000"/>
             </a:solidFill>
@@ -3798,19 +3464,89 @@
         </p:spPr>
         <p:style>
           <a:lnRef idx="1">
-            <a:schemeClr val="accent2"/>
+            <a:schemeClr val="accent1"/>
           </a:lnRef>
           <a:fillRef idx="0">
-            <a:schemeClr val="accent2"/>
+            <a:schemeClr val="accent1"/>
           </a:fillRef>
           <a:effectRef idx="0">
-            <a:schemeClr val="accent2"/>
+            <a:schemeClr val="accent1"/>
           </a:effectRef>
           <a:fontRef idx="minor">
             <a:schemeClr val="tx1"/>
           </a:fontRef>
         </p:style>
       </p:cxnSp>
+      <p:sp>
+        <p:nvSpPr>
+          <p:cNvPr id="68" name="TextBox 67">
+            <a:extLst>
+              <a:ext uri="{FF2B5EF4-FFF2-40B4-BE49-F238E27FC236}">
+                <a16:creationId xmlns:a16="http://schemas.microsoft.com/office/drawing/2014/main" id="{B0EC309C-666D-C940-A9FA-6E8D52ECFCF1}"/>
+              </a:ext>
+            </a:extLst>
+          </p:cNvPr>
+          <p:cNvSpPr txBox="1"/>
+          <p:nvPr/>
+        </p:nvSpPr>
+        <p:spPr>
+          <a:xfrm>
+            <a:off x="5769429" y="4415909"/>
+            <a:ext cx="2275114" cy="461665"/>
+          </a:xfrm>
+          <a:prstGeom prst="rect">
+            <a:avLst/>
+          </a:prstGeom>
+          <a:noFill/>
+        </p:spPr>
+        <p:txBody>
+          <a:bodyPr wrap="square" rtlCol="0">
+            <a:spAutoFit/>
+          </a:bodyPr>
+          <a:lstStyle/>
+          <a:p>
+            <a:r>
+              <a:rPr lang="en-US" sz="2400" dirty="0"/>
+              <a:t>Phototransistor</a:t>
+            </a:r>
+          </a:p>
+        </p:txBody>
+      </p:sp>
+      <p:sp>
+        <p:nvSpPr>
+          <p:cNvPr id="72" name="TextBox 71">
+            <a:extLst>
+              <a:ext uri="{FF2B5EF4-FFF2-40B4-BE49-F238E27FC236}">
+                <a16:creationId xmlns:a16="http://schemas.microsoft.com/office/drawing/2014/main" id="{7A40E938-7193-5A44-B41B-1552FC8DB128}"/>
+              </a:ext>
+            </a:extLst>
+          </p:cNvPr>
+          <p:cNvSpPr txBox="1"/>
+          <p:nvPr/>
+        </p:nvSpPr>
+        <p:spPr>
+          <a:xfrm>
+            <a:off x="4103914" y="1247074"/>
+            <a:ext cx="1023257" cy="523220"/>
+          </a:xfrm>
+          <a:prstGeom prst="rect">
+            <a:avLst/>
+          </a:prstGeom>
+          <a:noFill/>
+        </p:spPr>
+        <p:txBody>
+          <a:bodyPr wrap="square" rtlCol="0">
+            <a:spAutoFit/>
+          </a:bodyPr>
+          <a:lstStyle/>
+          <a:p>
+            <a:r>
+              <a:rPr lang="en-US" sz="2800" dirty="0"/>
+              <a:t>LED</a:t>
+            </a:r>
+          </a:p>
+        </p:txBody>
+      </p:sp>
     </p:spTree>
     <p:extLst>
       <p:ext uri="{BB962C8B-B14F-4D97-AF65-F5344CB8AC3E}">
